--- a/workspace/Progetto SD, Documentazione/slides.pptx
+++ b/workspace/Progetto SD, Documentazione/slides.pptx
@@ -219,6 +219,7 @@
           <a:p>
             <a:fld id="{91CC04EA-CDDC-497B-8546-84D395B20C65}" type="datetimeFigureOut">
               <a:rPr lang="en-US" smtClean="0"/>
+              <a:pPr/>
               <a:t>10/1/2010</a:t>
             </a:fld>
             <a:endParaRPr lang="en-US"/>
@@ -380,6 +381,7 @@
           <a:p>
             <a:fld id="{CC536BAB-210E-4A64-BE63-D810C49152F4}" type="slidenum">
               <a:rPr lang="en-US" smtClean="0"/>
+              <a:pPr/>
               <a:t>‹N›</a:t>
             </a:fld>
             <a:endParaRPr lang="en-US"/>
@@ -666,6 +668,7 @@
           <a:p>
             <a:fld id="{CC536BAB-210E-4A64-BE63-D810C49152F4}" type="slidenum">
               <a:rPr lang="en-US" smtClean="0"/>
+              <a:pPr/>
               <a:t>2</a:t>
             </a:fld>
             <a:endParaRPr lang="en-US"/>
@@ -747,6 +750,7 @@
           <a:p>
             <a:fld id="{CC536BAB-210E-4A64-BE63-D810C49152F4}" type="slidenum">
               <a:rPr lang="en-US" smtClean="0"/>
+              <a:pPr/>
               <a:t>20</a:t>
             </a:fld>
             <a:endParaRPr lang="en-US"/>
@@ -828,6 +832,7 @@
           <a:p>
             <a:fld id="{CC536BAB-210E-4A64-BE63-D810C49152F4}" type="slidenum">
               <a:rPr lang="en-US" smtClean="0"/>
+              <a:pPr/>
               <a:t>24</a:t>
             </a:fld>
             <a:endParaRPr lang="en-US"/>
@@ -909,6 +914,7 @@
           <a:p>
             <a:fld id="{CC536BAB-210E-4A64-BE63-D810C49152F4}" type="slidenum">
               <a:rPr lang="en-US" smtClean="0"/>
+              <a:pPr/>
               <a:t>25</a:t>
             </a:fld>
             <a:endParaRPr lang="en-US"/>
@@ -990,6 +996,7 @@
           <a:p>
             <a:fld id="{CC536BAB-210E-4A64-BE63-D810C49152F4}" type="slidenum">
               <a:rPr lang="en-US" smtClean="0"/>
+              <a:pPr/>
               <a:t>26</a:t>
             </a:fld>
             <a:endParaRPr lang="en-US"/>
@@ -1071,6 +1078,7 @@
           <a:p>
             <a:fld id="{CC536BAB-210E-4A64-BE63-D810C49152F4}" type="slidenum">
               <a:rPr lang="en-US" smtClean="0"/>
+              <a:pPr/>
               <a:t>27</a:t>
             </a:fld>
             <a:endParaRPr lang="en-US"/>
@@ -1152,6 +1160,7 @@
           <a:p>
             <a:fld id="{CC536BAB-210E-4A64-BE63-D810C49152F4}" type="slidenum">
               <a:rPr lang="en-US" smtClean="0"/>
+              <a:pPr/>
               <a:t>28</a:t>
             </a:fld>
             <a:endParaRPr lang="en-US"/>
@@ -1233,6 +1242,7 @@
           <a:p>
             <a:fld id="{CC536BAB-210E-4A64-BE63-D810C49152F4}" type="slidenum">
               <a:rPr lang="en-US" smtClean="0"/>
+              <a:pPr/>
               <a:t>3</a:t>
             </a:fld>
             <a:endParaRPr lang="en-US"/>
@@ -1314,6 +1324,7 @@
           <a:p>
             <a:fld id="{CC536BAB-210E-4A64-BE63-D810C49152F4}" type="slidenum">
               <a:rPr lang="en-US" smtClean="0"/>
+              <a:pPr/>
               <a:t>6</a:t>
             </a:fld>
             <a:endParaRPr lang="en-US"/>
@@ -1388,11 +1399,7 @@
             </a:r>
             <a:r>
               <a:rPr lang="it-IT" baseline="0" dirty="0" smtClean="0"/>
-              <a:t> ed effettua le modifiche dà la conferma al client </a:t>
-            </a:r>
-            <a:r>
-              <a:rPr lang="it-IT" baseline="0" dirty="0" smtClean="0"/>
-              <a:t>e poi inoltra  gli aggiornamenti agli altri server</a:t>
+              <a:t> ed effettua le modifiche dà la conferma al client e poi inoltra  gli aggiornamenti agli altri server</a:t>
             </a:r>
             <a:endParaRPr lang="en-US" dirty="0"/>
           </a:p>
@@ -1415,6 +1422,7 @@
           <a:p>
             <a:fld id="{CC536BAB-210E-4A64-BE63-D810C49152F4}" type="slidenum">
               <a:rPr lang="en-US" smtClean="0"/>
+              <a:pPr/>
               <a:t>13</a:t>
             </a:fld>
             <a:endParaRPr lang="en-US"/>
@@ -1496,6 +1504,7 @@
           <a:p>
             <a:fld id="{CC536BAB-210E-4A64-BE63-D810C49152F4}" type="slidenum">
               <a:rPr lang="en-US" smtClean="0"/>
+              <a:pPr/>
               <a:t>15</a:t>
             </a:fld>
             <a:endParaRPr lang="en-US"/>
@@ -1577,6 +1586,7 @@
           <a:p>
             <a:fld id="{CC536BAB-210E-4A64-BE63-D810C49152F4}" type="slidenum">
               <a:rPr lang="en-US" smtClean="0"/>
+              <a:pPr/>
               <a:t>16</a:t>
             </a:fld>
             <a:endParaRPr lang="en-US"/>
@@ -1658,6 +1668,7 @@
           <a:p>
             <a:fld id="{CC536BAB-210E-4A64-BE63-D810C49152F4}" type="slidenum">
               <a:rPr lang="en-US" smtClean="0"/>
+              <a:pPr/>
               <a:t>17</a:t>
             </a:fld>
             <a:endParaRPr lang="en-US"/>
@@ -1739,6 +1750,7 @@
           <a:p>
             <a:fld id="{CC536BAB-210E-4A64-BE63-D810C49152F4}" type="slidenum">
               <a:rPr lang="en-US" smtClean="0"/>
+              <a:pPr/>
               <a:t>18</a:t>
             </a:fld>
             <a:endParaRPr lang="en-US"/>
@@ -1820,6 +1832,7 @@
           <a:p>
             <a:fld id="{CC536BAB-210E-4A64-BE63-D810C49152F4}" type="slidenum">
               <a:rPr lang="en-US" smtClean="0"/>
+              <a:pPr/>
               <a:t>19</a:t>
             </a:fld>
             <a:endParaRPr lang="en-US"/>
@@ -2104,6 +2117,7 @@
           <a:p>
             <a:fld id="{F229BBA7-FCB6-4470-A30D-95524ACD22EA}" type="datetime1">
               <a:rPr lang="en-US" smtClean="0"/>
+              <a:pPr/>
               <a:t>10/1/2010</a:t>
             </a:fld>
             <a:endParaRPr lang="en-US"/>
@@ -2178,6 +2192,7 @@
           <a:p>
             <a:fld id="{90DACA5F-A714-4875-8EF6-BE76863F991C}" type="slidenum">
               <a:rPr lang="en-US" smtClean="0"/>
+              <a:pPr/>
               <a:t>‹N›</a:t>
             </a:fld>
             <a:endParaRPr lang="en-US"/>
@@ -2307,6 +2322,7 @@
           <a:p>
             <a:fld id="{524D2089-450B-472F-8D8D-FE9CFC1FC50C}" type="datetime1">
               <a:rPr lang="en-US" smtClean="0"/>
+              <a:pPr/>
               <a:t>10/1/2010</a:t>
             </a:fld>
             <a:endParaRPr lang="en-US"/>
@@ -2357,6 +2373,7 @@
           <a:p>
             <a:fld id="{90DACA5F-A714-4875-8EF6-BE76863F991C}" type="slidenum">
               <a:rPr lang="en-US" smtClean="0"/>
+              <a:pPr/>
               <a:t>‹N›</a:t>
             </a:fld>
             <a:endParaRPr lang="en-US"/>
@@ -2501,6 +2518,7 @@
           <a:p>
             <a:fld id="{9A6BD66D-4B89-4928-A578-2D172BCA0DED}" type="datetime1">
               <a:rPr lang="en-US" smtClean="0"/>
+              <a:pPr/>
               <a:t>10/1/2010</a:t>
             </a:fld>
             <a:endParaRPr lang="en-US"/>
@@ -2568,6 +2586,7 @@
           <a:p>
             <a:fld id="{90DACA5F-A714-4875-8EF6-BE76863F991C}" type="slidenum">
               <a:rPr lang="en-US" smtClean="0"/>
+              <a:pPr/>
               <a:t>‹N›</a:t>
             </a:fld>
             <a:endParaRPr lang="en-US"/>
@@ -2697,6 +2716,7 @@
           <a:p>
             <a:fld id="{67C9E014-3A1B-4C20-9781-A795452757B4}" type="datetime1">
               <a:rPr lang="en-US" smtClean="0"/>
+              <a:pPr/>
               <a:t>10/1/2010</a:t>
             </a:fld>
             <a:endParaRPr lang="en-US"/>
@@ -2747,6 +2767,7 @@
           <a:p>
             <a:fld id="{90DACA5F-A714-4875-8EF6-BE76863F991C}" type="slidenum">
               <a:rPr lang="en-US" smtClean="0"/>
+              <a:pPr/>
               <a:t>‹N›</a:t>
             </a:fld>
             <a:endParaRPr lang="en-US"/>
@@ -2927,6 +2948,7 @@
           <a:p>
             <a:fld id="{E1C1AE42-1B4C-4609-83BB-FD20BE2152B0}" type="datetime1">
               <a:rPr lang="en-US" smtClean="0"/>
+              <a:pPr/>
               <a:t>10/1/2010</a:t>
             </a:fld>
             <a:endParaRPr lang="en-US"/>
@@ -2994,6 +3016,7 @@
           <a:p>
             <a:fld id="{90DACA5F-A714-4875-8EF6-BE76863F991C}" type="slidenum">
               <a:rPr lang="en-US" smtClean="0"/>
+              <a:pPr/>
               <a:t>‹N›</a:t>
             </a:fld>
             <a:endParaRPr lang="en-US"/>
@@ -3222,6 +3245,7 @@
           <a:p>
             <a:fld id="{A2A99A8F-1505-4F35-8E66-EC65E8DC83B4}" type="datetime1">
               <a:rPr lang="en-US" smtClean="0"/>
+              <a:pPr/>
               <a:t>10/1/2010</a:t>
             </a:fld>
             <a:endParaRPr lang="en-US"/>
@@ -3272,6 +3296,7 @@
           <a:p>
             <a:fld id="{90DACA5F-A714-4875-8EF6-BE76863F991C}" type="slidenum">
               <a:rPr lang="en-US" smtClean="0"/>
+              <a:pPr/>
               <a:t>‹N›</a:t>
             </a:fld>
             <a:endParaRPr lang="en-US"/>
@@ -3657,6 +3682,7 @@
           <a:p>
             <a:fld id="{E998BC69-6278-46D3-B78E-EFF6FBA1F8BD}" type="datetime1">
               <a:rPr lang="en-US" smtClean="0"/>
+              <a:pPr/>
               <a:t>10/1/2010</a:t>
             </a:fld>
             <a:endParaRPr lang="en-US"/>
@@ -3707,6 +3733,7 @@
           <a:p>
             <a:fld id="{90DACA5F-A714-4875-8EF6-BE76863F991C}" type="slidenum">
               <a:rPr lang="en-US" smtClean="0"/>
+              <a:pPr/>
               <a:t>‹N›</a:t>
             </a:fld>
             <a:endParaRPr lang="en-US"/>
@@ -3787,6 +3814,7 @@
           <a:p>
             <a:fld id="{C642904F-F0CC-46D0-8DBC-2A2D81BF7601}" type="datetime1">
               <a:rPr lang="en-US" smtClean="0"/>
+              <a:pPr/>
               <a:t>10/1/2010</a:t>
             </a:fld>
             <a:endParaRPr lang="en-US"/>
@@ -3837,6 +3865,7 @@
           <a:p>
             <a:fld id="{90DACA5F-A714-4875-8EF6-BE76863F991C}" type="slidenum">
               <a:rPr lang="en-US" smtClean="0"/>
+              <a:pPr/>
               <a:t>‹N›</a:t>
             </a:fld>
             <a:endParaRPr lang="en-US"/>
@@ -3894,6 +3923,7 @@
           <a:p>
             <a:fld id="{18549A2B-5BC5-4EC3-85EE-CF9BF1990F32}" type="datetime1">
               <a:rPr lang="en-US" smtClean="0"/>
+              <a:pPr/>
               <a:t>10/1/2010</a:t>
             </a:fld>
             <a:endParaRPr lang="en-US"/>
@@ -3951,6 +3981,7 @@
           <a:p>
             <a:fld id="{90DACA5F-A714-4875-8EF6-BE76863F991C}" type="slidenum">
               <a:rPr lang="en-US" smtClean="0"/>
+              <a:pPr/>
               <a:t>‹N›</a:t>
             </a:fld>
             <a:endParaRPr lang="en-US"/>
@@ -4167,6 +4198,7 @@
           <a:p>
             <a:fld id="{479E4943-CEDE-4FBA-AD42-3B0673C2DAB4}" type="datetime1">
               <a:rPr lang="en-US" smtClean="0"/>
+              <a:pPr/>
               <a:t>10/1/2010</a:t>
             </a:fld>
             <a:endParaRPr lang="en-US"/>
@@ -4217,6 +4249,7 @@
           <a:p>
             <a:fld id="{90DACA5F-A714-4875-8EF6-BE76863F991C}" type="slidenum">
               <a:rPr lang="en-US" smtClean="0"/>
+              <a:pPr/>
               <a:t>‹N›</a:t>
             </a:fld>
             <a:endParaRPr lang="en-US"/>
@@ -4535,6 +4568,7 @@
           <a:p>
             <a:fld id="{69FFA931-DAD0-4091-A288-54D575DFE2CD}" type="datetime1">
               <a:rPr lang="en-US" smtClean="0"/>
+              <a:pPr/>
               <a:t>10/1/2010</a:t>
             </a:fld>
             <a:endParaRPr lang="en-US"/>
@@ -4585,6 +4619,7 @@
           <a:p>
             <a:fld id="{90DACA5F-A714-4875-8EF6-BE76863F991C}" type="slidenum">
               <a:rPr lang="en-US" smtClean="0"/>
+              <a:pPr/>
               <a:t>‹N›</a:t>
             </a:fld>
             <a:endParaRPr lang="en-US"/>
@@ -4894,6 +4929,7 @@
           <a:p>
             <a:fld id="{6B3F7D88-B893-4097-AF68-4C98FD477CA9}" type="datetime1">
               <a:rPr lang="en-US" smtClean="0"/>
+              <a:pPr/>
               <a:t>10/1/2010</a:t>
             </a:fld>
             <a:endParaRPr lang="en-US"/>
@@ -4974,6 +5010,7 @@
           <a:p>
             <a:fld id="{90DACA5F-A714-4875-8EF6-BE76863F991C}" type="slidenum">
               <a:rPr lang="en-US" smtClean="0"/>
+              <a:pPr/>
               <a:t>‹N›</a:t>
             </a:fld>
             <a:endParaRPr lang="en-US"/>
@@ -5432,10 +5469,6 @@
               <a:rPr lang="it-IT" sz="1600" dirty="0" smtClean="0"/>
               <a:t> </a:t>
             </a:r>
-            <a:r>
-              <a:rPr lang="it-IT" sz="1600" dirty="0" smtClean="0"/>
-              <a:t>0130452</a:t>
-            </a:r>
             <a:endParaRPr lang="en-US" sz="1600" dirty="0" smtClean="0"/>
           </a:p>
         </p:txBody>
@@ -5695,6 +5728,7 @@
           <a:p>
             <a:fld id="{90DACA5F-A714-4875-8EF6-BE76863F991C}" type="slidenum">
               <a:rPr lang="en-US" smtClean="0"/>
+              <a:pPr/>
               <a:t>10</a:t>
             </a:fld>
             <a:endParaRPr lang="en-US"/>
@@ -5951,6 +5985,7 @@
           <a:p>
             <a:fld id="{90DACA5F-A714-4875-8EF6-BE76863F991C}" type="slidenum">
               <a:rPr lang="en-US" smtClean="0"/>
+              <a:pPr/>
               <a:t>11</a:t>
             </a:fld>
             <a:endParaRPr lang="en-US"/>
@@ -6255,6 +6290,7 @@
           <a:p>
             <a:fld id="{90DACA5F-A714-4875-8EF6-BE76863F991C}" type="slidenum">
               <a:rPr lang="en-US" smtClean="0"/>
+              <a:pPr/>
               <a:t>12</a:t>
             </a:fld>
             <a:endParaRPr lang="en-US"/>
@@ -6617,6 +6653,7 @@
           <a:p>
             <a:fld id="{90DACA5F-A714-4875-8EF6-BE76863F991C}" type="slidenum">
               <a:rPr lang="en-US" smtClean="0"/>
+              <a:pPr/>
               <a:t>13</a:t>
             </a:fld>
             <a:endParaRPr lang="en-US"/>
@@ -6970,6 +7007,7 @@
           <a:p>
             <a:fld id="{90DACA5F-A714-4875-8EF6-BE76863F991C}" type="slidenum">
               <a:rPr lang="en-US" smtClean="0"/>
+              <a:pPr/>
               <a:t>14</a:t>
             </a:fld>
             <a:endParaRPr lang="en-US"/>
@@ -7275,6 +7313,7 @@
           <a:p>
             <a:fld id="{90DACA5F-A714-4875-8EF6-BE76863F991C}" type="slidenum">
               <a:rPr lang="en-US" smtClean="0"/>
+              <a:pPr/>
               <a:t>15</a:t>
             </a:fld>
             <a:endParaRPr lang="en-US"/>
@@ -7638,6 +7677,7 @@
           <a:p>
             <a:fld id="{90DACA5F-A714-4875-8EF6-BE76863F991C}" type="slidenum">
               <a:rPr lang="en-US" smtClean="0"/>
+              <a:pPr/>
               <a:t>16</a:t>
             </a:fld>
             <a:endParaRPr lang="en-US"/>
@@ -7995,6 +8035,7 @@
           <a:p>
             <a:fld id="{90DACA5F-A714-4875-8EF6-BE76863F991C}" type="slidenum">
               <a:rPr lang="en-US" smtClean="0"/>
+              <a:pPr/>
               <a:t>17</a:t>
             </a:fld>
             <a:endParaRPr lang="en-US"/>
@@ -8357,11 +8398,7 @@
           <a:p>
             <a:r>
               <a:rPr lang="it-IT" dirty="0" smtClean="0"/>
-              <a:t>I</a:t>
-            </a:r>
-            <a:r>
-              <a:rPr lang="it-IT" dirty="0" smtClean="0"/>
-              <a:t>l client ha un timeout</a:t>
+              <a:t>Il client ha un timeout</a:t>
             </a:r>
             <a:endParaRPr lang="it-IT" i="1" dirty="0" smtClean="0"/>
           </a:p>
@@ -8375,15 +8412,7 @@
             <a:pPr lvl="1"/>
             <a:r>
               <a:rPr lang="it-IT" dirty="0" smtClean="0"/>
-              <a:t>Se il server non è disponibile per l’avvio di una comunicazione il client effettua una nuova richiesta al</a:t>
-            </a:r>
-            <a:r>
-              <a:rPr lang="it-IT" dirty="0" smtClean="0"/>
-              <a:t> </a:t>
-            </a:r>
-            <a:r>
-              <a:rPr lang="it-IT" dirty="0" smtClean="0"/>
-              <a:t>DNS</a:t>
+              <a:t>Se il server non è disponibile per l’avvio di una comunicazione il client effettua una nuova richiesta al DNS</a:t>
             </a:r>
           </a:p>
           <a:p>
@@ -8420,6 +8449,7 @@
           <a:p>
             <a:fld id="{90DACA5F-A714-4875-8EF6-BE76863F991C}" type="slidenum">
               <a:rPr lang="en-US" smtClean="0"/>
+              <a:pPr/>
               <a:t>18</a:t>
             </a:fld>
             <a:endParaRPr lang="en-US"/>
@@ -8700,11 +8730,7 @@
             </a:r>
             <a:r>
               <a:rPr lang="it-IT" dirty="0" smtClean="0"/>
-              <a:t> </a:t>
-            </a:r>
-            <a:r>
-              <a:rPr lang="it-IT" dirty="0" smtClean="0"/>
-              <a:t>(e </a:t>
+              <a:t> (e </a:t>
             </a:r>
             <a:r>
               <a:rPr lang="it-IT" dirty="0" err="1" smtClean="0"/>
@@ -8740,6 +8766,7 @@
           <a:p>
             <a:fld id="{90DACA5F-A714-4875-8EF6-BE76863F991C}" type="slidenum">
               <a:rPr lang="en-US" smtClean="0"/>
+              <a:pPr/>
               <a:t>19</a:t>
             </a:fld>
             <a:endParaRPr lang="en-US"/>
@@ -8846,6 +8873,7 @@
           <a:p>
             <a:fld id="{90DACA5F-A714-4875-8EF6-BE76863F991C}" type="slidenum">
               <a:rPr lang="en-US" smtClean="0"/>
+              <a:pPr/>
               <a:t>2</a:t>
             </a:fld>
             <a:endParaRPr lang="en-US"/>
@@ -8894,13 +8922,8 @@
           <a:p>
             <a:r>
               <a:rPr lang="it-IT" dirty="0" smtClean="0"/>
-              <a:t>Creare un file system </a:t>
-            </a:r>
-            <a:r>
-              <a:rPr lang="it-IT" dirty="0" smtClean="0"/>
-              <a:t>distribuito</a:t>
-            </a:r>
-            <a:endParaRPr lang="it-IT" dirty="0" smtClean="0"/>
+              <a:t>Creare un file system distribuito</a:t>
+            </a:r>
           </a:p>
           <a:p>
             <a:r>
@@ -8914,7 +8937,6 @@
               <a:rPr lang="it-IT" dirty="0" smtClean="0"/>
               <a:t>Atomicità</a:t>
             </a:r>
-            <a:endParaRPr lang="it-IT" dirty="0" smtClean="0"/>
           </a:p>
           <a:p>
             <a:pPr lvl="1"/>
@@ -8922,7 +8944,6 @@
               <a:rPr lang="it-IT" dirty="0" smtClean="0"/>
               <a:t>Consistenza</a:t>
             </a:r>
-            <a:endParaRPr lang="it-IT" dirty="0" smtClean="0"/>
           </a:p>
           <a:p>
             <a:pPr lvl="1"/>
@@ -8930,7 +8951,6 @@
               <a:rPr lang="it-IT" dirty="0" smtClean="0"/>
               <a:t>Isolamento</a:t>
             </a:r>
-            <a:endParaRPr lang="it-IT" dirty="0" smtClean="0"/>
           </a:p>
           <a:p>
             <a:pPr lvl="1"/>
@@ -8938,16 +8958,11 @@
               <a:rPr lang="it-IT" dirty="0" smtClean="0"/>
               <a:t>Durabilità</a:t>
             </a:r>
-            <a:endParaRPr lang="it-IT" dirty="0" smtClean="0"/>
           </a:p>
           <a:p>
             <a:r>
               <a:rPr lang="it-IT" dirty="0" smtClean="0"/>
-              <a:t>Tolleranza </a:t>
-            </a:r>
-            <a:r>
-              <a:rPr lang="it-IT" dirty="0" smtClean="0"/>
-              <a:t>a determinate </a:t>
+              <a:t>Tolleranza a determinate </a:t>
             </a:r>
             <a:r>
               <a:rPr lang="it-IT" dirty="0" err="1" smtClean="0"/>
@@ -8959,11 +8974,7 @@
             <a:pPr lvl="1"/>
             <a:r>
               <a:rPr lang="it-IT" dirty="0" smtClean="0"/>
-              <a:t>Client</a:t>
-            </a:r>
-            <a:r>
-              <a:rPr lang="it-IT" dirty="0" smtClean="0"/>
-              <a:t>: Omissioni, </a:t>
+              <a:t>Client: Omissioni, </a:t>
             </a:r>
             <a:r>
               <a:rPr lang="it-IT" dirty="0" err="1" smtClean="0"/>
@@ -8978,11 +8989,7 @@
             <a:pPr lvl="1"/>
             <a:r>
               <a:rPr lang="it-IT" dirty="0" smtClean="0"/>
-              <a:t>Server</a:t>
-            </a:r>
-            <a:r>
-              <a:rPr lang="it-IT" dirty="0" smtClean="0"/>
-              <a:t>: </a:t>
+              <a:t>Server: </a:t>
             </a:r>
             <a:r>
               <a:rPr lang="it-IT" dirty="0" err="1" smtClean="0"/>
@@ -9327,55 +9334,27 @@
           <a:p>
             <a:r>
               <a:rPr lang="it-IT" dirty="0" smtClean="0"/>
-              <a:t>Il </a:t>
-            </a:r>
+              <a:t>Il client subisce un crash  </a:t>
+            </a:r>
+          </a:p>
+          <a:p>
             <a:r>
               <a:rPr lang="it-IT" dirty="0" smtClean="0"/>
-              <a:t>client subisce </a:t>
-            </a:r>
+              <a:t>Il server ha un timeout</a:t>
+            </a:r>
+            <a:endParaRPr lang="it-IT" i="1" dirty="0" smtClean="0"/>
+          </a:p>
+          <a:p>
             <a:r>
               <a:rPr lang="it-IT" dirty="0" smtClean="0"/>
-              <a:t>un crash  </a:t>
-            </a:r>
-          </a:p>
-          <a:p>
+              <a:t>Una volta scaduto:</a:t>
+            </a:r>
+          </a:p>
+          <a:p>
+            <a:pPr lvl="1"/>
             <a:r>
               <a:rPr lang="it-IT" dirty="0" smtClean="0"/>
-              <a:t>Il </a:t>
-            </a:r>
-            <a:r>
-              <a:rPr lang="it-IT" dirty="0" smtClean="0"/>
-              <a:t>server ha </a:t>
-            </a:r>
-            <a:r>
-              <a:rPr lang="it-IT" dirty="0" smtClean="0"/>
-              <a:t>un timeout</a:t>
-            </a:r>
-            <a:endParaRPr lang="it-IT" i="1" dirty="0" smtClean="0"/>
-          </a:p>
-          <a:p>
-            <a:r>
-              <a:rPr lang="it-IT" dirty="0" smtClean="0"/>
-              <a:t>Una volta </a:t>
-            </a:r>
-            <a:r>
-              <a:rPr lang="it-IT" dirty="0" smtClean="0"/>
-              <a:t>scaduto:</a:t>
-            </a:r>
-          </a:p>
-          <a:p>
-            <a:pPr lvl="1"/>
-            <a:r>
-              <a:rPr lang="it-IT" dirty="0" smtClean="0"/>
-              <a:t>Se </a:t>
-            </a:r>
-            <a:r>
-              <a:rPr lang="it-IT" dirty="0" smtClean="0"/>
-              <a:t>il </a:t>
-            </a:r>
-            <a:r>
-              <a:rPr lang="it-IT" dirty="0" smtClean="0"/>
-              <a:t>client </a:t>
+              <a:t>Se il client </a:t>
             </a:r>
             <a:r>
               <a:rPr lang="it-IT" dirty="0" err="1" smtClean="0"/>
@@ -9383,23 +9362,7 @@
             </a:r>
             <a:r>
               <a:rPr lang="it-IT" dirty="0" smtClean="0"/>
-              <a:t> </a:t>
-            </a:r>
-            <a:r>
-              <a:rPr lang="it-IT" dirty="0" smtClean="0"/>
-              <a:t>durante uno scambio di messaggi, il </a:t>
-            </a:r>
-            <a:r>
-              <a:rPr lang="it-IT" dirty="0" smtClean="0"/>
-              <a:t>server effettua </a:t>
-            </a:r>
-            <a:r>
-              <a:rPr lang="it-IT" dirty="0" smtClean="0"/>
-              <a:t>5 tentativi di ritrasmissione. Se non vanno a termine chiude la </a:t>
-            </a:r>
-            <a:r>
-              <a:rPr lang="it-IT" dirty="0" smtClean="0"/>
-              <a:t>connessione.</a:t>
+              <a:t> durante uno scambio di messaggi, il server effettua 5 tentativi di ritrasmissione. Se non vanno a termine chiude la connessione.</a:t>
             </a:r>
           </a:p>
           <a:p>
@@ -9408,7 +9371,6 @@
               <a:rPr lang="it-IT" dirty="0" smtClean="0"/>
               <a:t>Se il server stava effettuando operazioni di scrittura su un file, vengono annullate.</a:t>
             </a:r>
-            <a:endParaRPr lang="it-IT" dirty="0" smtClean="0"/>
           </a:p>
         </p:txBody>
       </p:sp>
@@ -9429,6 +9391,7 @@
           <a:p>
             <a:fld id="{90DACA5F-A714-4875-8EF6-BE76863F991C}" type="slidenum">
               <a:rPr lang="en-US" smtClean="0"/>
+              <a:pPr/>
               <a:t>20</a:t>
             </a:fld>
             <a:endParaRPr lang="en-US"/>
@@ -9686,6 +9649,7 @@
           <a:p>
             <a:fld id="{90DACA5F-A714-4875-8EF6-BE76863F991C}" type="slidenum">
               <a:rPr lang="en-US" smtClean="0"/>
+              <a:pPr/>
               <a:t>21</a:t>
             </a:fld>
             <a:endParaRPr lang="en-US"/>
@@ -9942,6 +9906,7 @@
           <a:p>
             <a:fld id="{90DACA5F-A714-4875-8EF6-BE76863F991C}" type="slidenum">
               <a:rPr lang="en-US" smtClean="0"/>
+              <a:pPr/>
               <a:t>22</a:t>
             </a:fld>
             <a:endParaRPr lang="en-US"/>
@@ -10198,6 +10163,7 @@
           <a:p>
             <a:fld id="{90DACA5F-A714-4875-8EF6-BE76863F991C}" type="slidenum">
               <a:rPr lang="en-US" smtClean="0"/>
+              <a:pPr/>
               <a:t>23</a:t>
             </a:fld>
             <a:endParaRPr lang="en-US"/>
@@ -10609,6 +10575,7 @@
           <a:p>
             <a:fld id="{90DACA5F-A714-4875-8EF6-BE76863F991C}" type="slidenum">
               <a:rPr lang="en-US" smtClean="0"/>
+              <a:pPr/>
               <a:t>24</a:t>
             </a:fld>
             <a:endParaRPr lang="en-US"/>
@@ -10990,6 +10957,7 @@
           <a:p>
             <a:fld id="{90DACA5F-A714-4875-8EF6-BE76863F991C}" type="slidenum">
               <a:rPr lang="en-US" smtClean="0"/>
+              <a:pPr/>
               <a:t>25</a:t>
             </a:fld>
             <a:endParaRPr lang="en-US"/>
@@ -11303,6 +11271,7 @@
           <a:p>
             <a:fld id="{90DACA5F-A714-4875-8EF6-BE76863F991C}" type="slidenum">
               <a:rPr lang="en-US" smtClean="0"/>
+              <a:pPr/>
               <a:t>26</a:t>
             </a:fld>
             <a:endParaRPr lang="en-US"/>
@@ -11567,6 +11536,7 @@
           <a:p>
             <a:fld id="{90DACA5F-A714-4875-8EF6-BE76863F991C}" type="slidenum">
               <a:rPr lang="en-US" smtClean="0"/>
+              <a:pPr/>
               <a:t>27</a:t>
             </a:fld>
             <a:endParaRPr lang="en-US"/>
@@ -11708,6 +11678,7 @@
           <a:p>
             <a:fld id="{90DACA5F-A714-4875-8EF6-BE76863F991C}" type="slidenum">
               <a:rPr lang="en-US" smtClean="0"/>
+              <a:pPr/>
               <a:t>28</a:t>
             </a:fld>
             <a:endParaRPr lang="en-US"/>
@@ -11927,6 +11898,7 @@
           <a:p>
             <a:fld id="{90DACA5F-A714-4875-8EF6-BE76863F991C}" type="slidenum">
               <a:rPr lang="en-US" smtClean="0"/>
+              <a:pPr/>
               <a:t>3</a:t>
             </a:fld>
             <a:endParaRPr lang="en-US"/>
@@ -12206,6 +12178,7 @@
           <a:p>
             <a:fld id="{90DACA5F-A714-4875-8EF6-BE76863F991C}" type="slidenum">
               <a:rPr lang="en-US" smtClean="0"/>
+              <a:pPr/>
               <a:t>4</a:t>
             </a:fld>
             <a:endParaRPr lang="en-US"/>
@@ -12554,6 +12527,7 @@
           <a:p>
             <a:fld id="{90DACA5F-A714-4875-8EF6-BE76863F991C}" type="slidenum">
               <a:rPr lang="en-US" smtClean="0"/>
+              <a:pPr/>
               <a:t>5</a:t>
             </a:fld>
             <a:endParaRPr lang="en-US"/>
@@ -12828,6 +12802,7 @@
           <a:p>
             <a:fld id="{90DACA5F-A714-4875-8EF6-BE76863F991C}" type="slidenum">
               <a:rPr lang="en-US" smtClean="0"/>
+              <a:pPr/>
               <a:t>6</a:t>
             </a:fld>
             <a:endParaRPr lang="en-US"/>
@@ -13125,6 +13100,7 @@
           <a:p>
             <a:fld id="{90DACA5F-A714-4875-8EF6-BE76863F991C}" type="slidenum">
               <a:rPr lang="en-US" smtClean="0"/>
+              <a:pPr/>
               <a:t>7</a:t>
             </a:fld>
             <a:endParaRPr lang="en-US"/>
@@ -13458,6 +13434,7 @@
           <a:p>
             <a:fld id="{90DACA5F-A714-4875-8EF6-BE76863F991C}" type="slidenum">
               <a:rPr lang="en-US" smtClean="0"/>
+              <a:pPr/>
               <a:t>8</a:t>
             </a:fld>
             <a:endParaRPr lang="en-US"/>
@@ -13776,6 +13753,7 @@
           <a:p>
             <a:fld id="{90DACA5F-A714-4875-8EF6-BE76863F991C}" type="slidenum">
               <a:rPr lang="en-US" smtClean="0"/>
+              <a:pPr/>
               <a:t>9</a:t>
             </a:fld>
             <a:endParaRPr lang="en-US"/>
